--- a/発表用スライド.pptx
+++ b/発表用スライド.pptx
@@ -6616,7 +6616,7 @@
               </a:lnSpc>
               <a:buNone/>
             </a:pPr>
-            <a:fld id="{2B507DA3-3A31-452E-AD79-EAA1F0D429B6}" type="slidenum">
+            <a:fld id="{E6F6FAA8-4F79-4F4D-9896-B3EF410810E5}" type="slidenum">
               <a:rPr b="1" lang="en-US" sz="1800" spc="-1" strike="noStrike">
                 <a:solidFill>
                   <a:srgbClr val="ffffff"/>
@@ -7054,7 +7054,7 @@
               </a:lnSpc>
               <a:buNone/>
             </a:pPr>
-            <a:fld id="{942D25F3-0401-4548-87AC-45E5473B768F}" type="slidenum">
+            <a:fld id="{D9CF3420-1297-44F6-84C2-45B14942A91E}" type="slidenum">
               <a:rPr b="1" lang="en-US" sz="1800" spc="-1" strike="noStrike">
                 <a:solidFill>
                   <a:srgbClr val="ffffff"/>

--- a/発表用スライド.pptx
+++ b/発表用スライド.pptx
@@ -77,7 +77,7 @@
         <p:spPr>
           <a:xfrm>
             <a:off x="360000" y="2835000"/>
-            <a:ext cx="9359280" cy="718200"/>
+            <a:ext cx="9358560" cy="717480"/>
           </a:xfrm>
           <a:prstGeom prst="rect">
             <a:avLst/>
@@ -204,7 +204,7 @@
         <p:spPr>
           <a:xfrm>
             <a:off x="360000" y="2835000"/>
-            <a:ext cx="9359280" cy="718200"/>
+            <a:ext cx="9358560" cy="717480"/>
           </a:xfrm>
           <a:prstGeom prst="rect">
             <a:avLst/>
@@ -399,7 +399,7 @@
         <p:spPr>
           <a:xfrm>
             <a:off x="360000" y="2835000"/>
-            <a:ext cx="9359280" cy="718200"/>
+            <a:ext cx="9358560" cy="717480"/>
           </a:xfrm>
           <a:prstGeom prst="rect">
             <a:avLst/>
@@ -684,7 +684,7 @@
         <p:spPr>
           <a:xfrm>
             <a:off x="360000" y="2835000"/>
-            <a:ext cx="9359280" cy="718200"/>
+            <a:ext cx="9358560" cy="717480"/>
           </a:xfrm>
           <a:prstGeom prst="rect">
             <a:avLst/>
@@ -780,7 +780,7 @@
         <p:spPr>
           <a:xfrm>
             <a:off x="360000" y="2835000"/>
-            <a:ext cx="9359280" cy="718200"/>
+            <a:ext cx="9358560" cy="717480"/>
           </a:xfrm>
           <a:prstGeom prst="rect">
             <a:avLst/>
@@ -873,7 +873,7 @@
         <p:spPr>
           <a:xfrm>
             <a:off x="360000" y="2835000"/>
-            <a:ext cx="9359280" cy="718200"/>
+            <a:ext cx="9358560" cy="717480"/>
           </a:xfrm>
           <a:prstGeom prst="rect">
             <a:avLst/>
@@ -1000,7 +1000,7 @@
         <p:spPr>
           <a:xfrm>
             <a:off x="360000" y="2835000"/>
-            <a:ext cx="9359280" cy="718200"/>
+            <a:ext cx="9358560" cy="717480"/>
           </a:xfrm>
           <a:prstGeom prst="rect">
             <a:avLst/>
@@ -1059,7 +1059,7 @@
         <p:spPr>
           <a:xfrm>
             <a:off x="360000" y="2835000"/>
-            <a:ext cx="9359280" cy="3330360"/>
+            <a:ext cx="9358560" cy="3327120"/>
           </a:xfrm>
           <a:prstGeom prst="rect">
             <a:avLst/>
@@ -1118,7 +1118,7 @@
         <p:spPr>
           <a:xfrm>
             <a:off x="360000" y="2835000"/>
-            <a:ext cx="9359280" cy="718200"/>
+            <a:ext cx="9358560" cy="717480"/>
           </a:xfrm>
           <a:prstGeom prst="rect">
             <a:avLst/>
@@ -1279,7 +1279,7 @@
         <p:spPr>
           <a:xfrm>
             <a:off x="360000" y="2835000"/>
-            <a:ext cx="9359280" cy="718200"/>
+            <a:ext cx="9358560" cy="717480"/>
           </a:xfrm>
           <a:prstGeom prst="rect">
             <a:avLst/>
@@ -1375,7 +1375,7 @@
         <p:spPr>
           <a:xfrm>
             <a:off x="360000" y="2835000"/>
-            <a:ext cx="9359280" cy="718200"/>
+            <a:ext cx="9358560" cy="717480"/>
           </a:xfrm>
           <a:prstGeom prst="rect">
             <a:avLst/>
@@ -1536,7 +1536,7 @@
         <p:spPr>
           <a:xfrm>
             <a:off x="360000" y="2835000"/>
-            <a:ext cx="9359280" cy="718200"/>
+            <a:ext cx="9358560" cy="717480"/>
           </a:xfrm>
           <a:prstGeom prst="rect">
             <a:avLst/>
@@ -1697,7 +1697,7 @@
         <p:spPr>
           <a:xfrm>
             <a:off x="360000" y="2835000"/>
-            <a:ext cx="9359280" cy="718200"/>
+            <a:ext cx="9358560" cy="717480"/>
           </a:xfrm>
           <a:prstGeom prst="rect">
             <a:avLst/>
@@ -1824,7 +1824,7 @@
         <p:spPr>
           <a:xfrm>
             <a:off x="360000" y="2835000"/>
-            <a:ext cx="9359280" cy="718200"/>
+            <a:ext cx="9358560" cy="717480"/>
           </a:xfrm>
           <a:prstGeom prst="rect">
             <a:avLst/>
@@ -2019,7 +2019,7 @@
         <p:spPr>
           <a:xfrm>
             <a:off x="360000" y="2835000"/>
-            <a:ext cx="9359280" cy="718200"/>
+            <a:ext cx="9358560" cy="717480"/>
           </a:xfrm>
           <a:prstGeom prst="rect">
             <a:avLst/>
@@ -2304,7 +2304,7 @@
         <p:spPr>
           <a:xfrm>
             <a:off x="360000" y="2835000"/>
-            <a:ext cx="9359280" cy="718200"/>
+            <a:ext cx="9358560" cy="717480"/>
           </a:xfrm>
           <a:prstGeom prst="rect">
             <a:avLst/>
@@ -2400,7 +2400,7 @@
         <p:spPr>
           <a:xfrm>
             <a:off x="360000" y="2835000"/>
-            <a:ext cx="9359280" cy="718200"/>
+            <a:ext cx="9358560" cy="717480"/>
           </a:xfrm>
           <a:prstGeom prst="rect">
             <a:avLst/>
@@ -2493,7 +2493,7 @@
         <p:spPr>
           <a:xfrm>
             <a:off x="360000" y="2835000"/>
-            <a:ext cx="9359280" cy="718200"/>
+            <a:ext cx="9358560" cy="717480"/>
           </a:xfrm>
           <a:prstGeom prst="rect">
             <a:avLst/>
@@ -2620,7 +2620,7 @@
         <p:spPr>
           <a:xfrm>
             <a:off x="360000" y="2835000"/>
-            <a:ext cx="9359280" cy="718200"/>
+            <a:ext cx="9358560" cy="717480"/>
           </a:xfrm>
           <a:prstGeom prst="rect">
             <a:avLst/>
@@ -2679,7 +2679,7 @@
         <p:spPr>
           <a:xfrm>
             <a:off x="360000" y="2835000"/>
-            <a:ext cx="9359280" cy="718200"/>
+            <a:ext cx="9358560" cy="717480"/>
           </a:xfrm>
           <a:prstGeom prst="rect">
             <a:avLst/>
@@ -2772,7 +2772,7 @@
         <p:spPr>
           <a:xfrm>
             <a:off x="360000" y="2835000"/>
-            <a:ext cx="9359280" cy="3330360"/>
+            <a:ext cx="9358560" cy="3327120"/>
           </a:xfrm>
           <a:prstGeom prst="rect">
             <a:avLst/>
@@ -2831,7 +2831,7 @@
         <p:spPr>
           <a:xfrm>
             <a:off x="360000" y="2835000"/>
-            <a:ext cx="9359280" cy="718200"/>
+            <a:ext cx="9358560" cy="717480"/>
           </a:xfrm>
           <a:prstGeom prst="rect">
             <a:avLst/>
@@ -2992,7 +2992,7 @@
         <p:spPr>
           <a:xfrm>
             <a:off x="360000" y="2835000"/>
-            <a:ext cx="9359280" cy="718200"/>
+            <a:ext cx="9358560" cy="717480"/>
           </a:xfrm>
           <a:prstGeom prst="rect">
             <a:avLst/>
@@ -3153,7 +3153,7 @@
         <p:spPr>
           <a:xfrm>
             <a:off x="360000" y="2835000"/>
-            <a:ext cx="9359280" cy="718200"/>
+            <a:ext cx="9358560" cy="717480"/>
           </a:xfrm>
           <a:prstGeom prst="rect">
             <a:avLst/>
@@ -3314,7 +3314,7 @@
         <p:spPr>
           <a:xfrm>
             <a:off x="360000" y="2835000"/>
-            <a:ext cx="9359280" cy="718200"/>
+            <a:ext cx="9358560" cy="717480"/>
           </a:xfrm>
           <a:prstGeom prst="rect">
             <a:avLst/>
@@ -3441,7 +3441,7 @@
         <p:spPr>
           <a:xfrm>
             <a:off x="360000" y="2835000"/>
-            <a:ext cx="9359280" cy="718200"/>
+            <a:ext cx="9358560" cy="717480"/>
           </a:xfrm>
           <a:prstGeom prst="rect">
             <a:avLst/>
@@ -3636,7 +3636,7 @@
         <p:spPr>
           <a:xfrm>
             <a:off x="360000" y="2835000"/>
-            <a:ext cx="9359280" cy="718200"/>
+            <a:ext cx="9358560" cy="717480"/>
           </a:xfrm>
           <a:prstGeom prst="rect">
             <a:avLst/>
@@ -3921,7 +3921,7 @@
         <p:spPr>
           <a:xfrm>
             <a:off x="360000" y="2835000"/>
-            <a:ext cx="9359280" cy="718200"/>
+            <a:ext cx="9358560" cy="717480"/>
           </a:xfrm>
           <a:prstGeom prst="rect">
             <a:avLst/>
@@ -4017,7 +4017,7 @@
         <p:spPr>
           <a:xfrm>
             <a:off x="360000" y="2835000"/>
-            <a:ext cx="9359280" cy="718200"/>
+            <a:ext cx="9358560" cy="717480"/>
           </a:xfrm>
           <a:prstGeom prst="rect">
             <a:avLst/>
@@ -4110,7 +4110,7 @@
         <p:spPr>
           <a:xfrm>
             <a:off x="360000" y="2835000"/>
-            <a:ext cx="9359280" cy="718200"/>
+            <a:ext cx="9358560" cy="717480"/>
           </a:xfrm>
           <a:prstGeom prst="rect">
             <a:avLst/>
@@ -4237,7 +4237,7 @@
         <p:spPr>
           <a:xfrm>
             <a:off x="360000" y="2835000"/>
-            <a:ext cx="9359280" cy="718200"/>
+            <a:ext cx="9358560" cy="717480"/>
           </a:xfrm>
           <a:prstGeom prst="rect">
             <a:avLst/>
@@ -4364,7 +4364,7 @@
         <p:spPr>
           <a:xfrm>
             <a:off x="360000" y="2835000"/>
-            <a:ext cx="9359280" cy="718200"/>
+            <a:ext cx="9358560" cy="717480"/>
           </a:xfrm>
           <a:prstGeom prst="rect">
             <a:avLst/>
@@ -4423,7 +4423,7 @@
         <p:spPr>
           <a:xfrm>
             <a:off x="360000" y="2835000"/>
-            <a:ext cx="9359280" cy="3330360"/>
+            <a:ext cx="9358560" cy="3327120"/>
           </a:xfrm>
           <a:prstGeom prst="rect">
             <a:avLst/>
@@ -4482,7 +4482,7 @@
         <p:spPr>
           <a:xfrm>
             <a:off x="360000" y="2835000"/>
-            <a:ext cx="9359280" cy="718200"/>
+            <a:ext cx="9358560" cy="717480"/>
           </a:xfrm>
           <a:prstGeom prst="rect">
             <a:avLst/>
@@ -4643,7 +4643,7 @@
         <p:spPr>
           <a:xfrm>
             <a:off x="360000" y="2835000"/>
-            <a:ext cx="9359280" cy="718200"/>
+            <a:ext cx="9358560" cy="717480"/>
           </a:xfrm>
           <a:prstGeom prst="rect">
             <a:avLst/>
@@ -4804,7 +4804,7 @@
         <p:spPr>
           <a:xfrm>
             <a:off x="360000" y="2835000"/>
-            <a:ext cx="9359280" cy="718200"/>
+            <a:ext cx="9358560" cy="717480"/>
           </a:xfrm>
           <a:prstGeom prst="rect">
             <a:avLst/>
@@ -4965,7 +4965,7 @@
         <p:spPr>
           <a:xfrm>
             <a:off x="360000" y="2835000"/>
-            <a:ext cx="9359280" cy="718200"/>
+            <a:ext cx="9358560" cy="717480"/>
           </a:xfrm>
           <a:prstGeom prst="rect">
             <a:avLst/>
@@ -5092,7 +5092,7 @@
         <p:spPr>
           <a:xfrm>
             <a:off x="360000" y="2835000"/>
-            <a:ext cx="9359280" cy="718200"/>
+            <a:ext cx="9358560" cy="717480"/>
           </a:xfrm>
           <a:prstGeom prst="rect">
             <a:avLst/>
@@ -5287,7 +5287,7 @@
         <p:spPr>
           <a:xfrm>
             <a:off x="360000" y="2835000"/>
-            <a:ext cx="9359280" cy="718200"/>
+            <a:ext cx="9358560" cy="717480"/>
           </a:xfrm>
           <a:prstGeom prst="rect">
             <a:avLst/>
@@ -5550,7 +5550,7 @@
         <p:spPr>
           <a:xfrm>
             <a:off x="360000" y="2835000"/>
-            <a:ext cx="9359280" cy="718200"/>
+            <a:ext cx="9358560" cy="717480"/>
           </a:xfrm>
           <a:prstGeom prst="rect">
             <a:avLst/>
@@ -5609,7 +5609,7 @@
         <p:spPr>
           <a:xfrm>
             <a:off x="360000" y="2835000"/>
-            <a:ext cx="9359280" cy="3330360"/>
+            <a:ext cx="9358560" cy="3327120"/>
           </a:xfrm>
           <a:prstGeom prst="rect">
             <a:avLst/>
@@ -5668,7 +5668,7 @@
         <p:spPr>
           <a:xfrm>
             <a:off x="360000" y="2835000"/>
-            <a:ext cx="9359280" cy="718200"/>
+            <a:ext cx="9358560" cy="717480"/>
           </a:xfrm>
           <a:prstGeom prst="rect">
             <a:avLst/>
@@ -5829,7 +5829,7 @@
         <p:spPr>
           <a:xfrm>
             <a:off x="360000" y="2835000"/>
-            <a:ext cx="9359280" cy="718200"/>
+            <a:ext cx="9358560" cy="717480"/>
           </a:xfrm>
           <a:prstGeom prst="rect">
             <a:avLst/>
@@ -5990,7 +5990,7 @@
         <p:spPr>
           <a:xfrm>
             <a:off x="360000" y="2835000"/>
-            <a:ext cx="9359280" cy="718200"/>
+            <a:ext cx="9358560" cy="717480"/>
           </a:xfrm>
           <a:prstGeom prst="rect">
             <a:avLst/>
@@ -6147,7 +6147,7 @@
         <p:spPr>
           <a:xfrm>
             <a:off x="0" y="0"/>
-            <a:ext cx="10079280" cy="5669280"/>
+            <a:ext cx="10078560" cy="5668560"/>
           </a:xfrm>
           <a:prstGeom prst="rect">
             <a:avLst/>
@@ -6175,7 +6175,7 @@
         <p:spPr>
           <a:xfrm>
             <a:off x="0" y="0"/>
-            <a:ext cx="10079280" cy="3779280"/>
+            <a:ext cx="10078560" cy="3778560"/>
           </a:xfrm>
           <a:prstGeom prst="rect">
             <a:avLst/>
@@ -6209,29 +6209,32 @@
         </p:nvSpPr>
         <p:spPr>
           <a:xfrm>
-            <a:off x="360000" y="2835000"/>
-            <a:ext cx="9359280" cy="718200"/>
-          </a:xfrm>
-          <a:prstGeom prst="rect">
-            <a:avLst/>
-          </a:prstGeom>
-          <a:noFill/>
-          <a:ln w="0">
-            <a:noFill/>
-          </a:ln>
-        </p:spPr>
-        <p:txBody>
-          <a:bodyPr lIns="0" rIns="0" tIns="0" bIns="0" anchor="ctr" anchorCtr="1">
+            <a:off x="504000" y="226080"/>
+            <a:ext cx="9072000" cy="946440"/>
+          </a:xfrm>
+          <a:prstGeom prst="rect">
+            <a:avLst/>
+          </a:prstGeom>
+          <a:noFill/>
+          <a:ln w="0">
+            <a:noFill/>
+          </a:ln>
+        </p:spPr>
+        <p:txBody>
+          <a:bodyPr lIns="0" rIns="0" tIns="0" bIns="0" anchor="ctr">
             <a:noAutofit/>
           </a:bodyPr>
           <a:p>
-            <a:r>
-              <a:rPr b="0" lang="ja-JP" sz="1800" spc="-1" strike="noStrike">
+            <a:pPr algn="ctr">
+              <a:buNone/>
+            </a:pPr>
+            <a:r>
+              <a:rPr b="0" lang="ja-JP" sz="4400" spc="-1" strike="noStrike">
                 <a:latin typeface="Arial"/>
               </a:rPr>
               <a:t>クリックしてタイトルテキストを編集</a:t>
             </a:r>
-            <a:endParaRPr b="0" lang="en-US" sz="1800" spc="-1" strike="noStrike">
+            <a:endParaRPr b="0" lang="en-US" sz="4400" spc="-1" strike="noStrike">
               <a:latin typeface="Arial"/>
             </a:endParaRPr>
           </a:p>
@@ -6250,7 +6253,7 @@
         <p:spPr>
           <a:xfrm>
             <a:off x="504000" y="1326600"/>
-            <a:ext cx="9071640" cy="3288240"/>
+            <a:ext cx="9072000" cy="3288600"/>
           </a:xfrm>
           <a:prstGeom prst="rect">
             <a:avLst/>
@@ -6277,12 +6280,12 @@
               <a:buChar char=""/>
             </a:pPr>
             <a:r>
-              <a:rPr b="0" lang="ja-JP" sz="1800" spc="-1" strike="noStrike">
+              <a:rPr b="0" lang="ja-JP" sz="3200" spc="-1" strike="noStrike">
                 <a:latin typeface="Arial"/>
               </a:rPr>
               <a:t>クリックしてアウトラインのテキストを編集</a:t>
             </a:r>
-            <a:endParaRPr b="0" lang="en-US" sz="1800" spc="-1" strike="noStrike">
+            <a:endParaRPr b="0" lang="en-US" sz="3200" spc="-1" strike="noStrike">
               <a:latin typeface="Arial"/>
             </a:endParaRPr>
           </a:p>
@@ -6299,18 +6302,18 @@
               <a:buChar char=""/>
             </a:pPr>
             <a:r>
-              <a:rPr b="0" lang="en-US" sz="1800" spc="-1" strike="noStrike">
+              <a:rPr b="0" lang="en-US" sz="2800" spc="-1" strike="noStrike">
                 <a:latin typeface="Arial"/>
               </a:rPr>
               <a:t>2</a:t>
             </a:r>
             <a:r>
-              <a:rPr b="0" lang="ja-JP" sz="1800" spc="-1" strike="noStrike">
+              <a:rPr b="0" lang="ja-JP" sz="2800" spc="-1" strike="noStrike">
                 <a:latin typeface="Arial"/>
               </a:rPr>
               <a:t>レベル目のアウトライン</a:t>
             </a:r>
-            <a:endParaRPr b="0" lang="en-US" sz="1800" spc="-1" strike="noStrike">
+            <a:endParaRPr b="0" lang="en-US" sz="2800" spc="-1" strike="noStrike">
               <a:latin typeface="Arial"/>
             </a:endParaRPr>
           </a:p>
@@ -6327,18 +6330,18 @@
               <a:buChar char=""/>
             </a:pPr>
             <a:r>
-              <a:rPr b="0" lang="en-US" sz="1800" spc="-1" strike="noStrike">
+              <a:rPr b="0" lang="en-US" sz="2400" spc="-1" strike="noStrike">
                 <a:latin typeface="Arial"/>
               </a:rPr>
               <a:t>3</a:t>
             </a:r>
             <a:r>
-              <a:rPr b="0" lang="ja-JP" sz="1800" spc="-1" strike="noStrike">
+              <a:rPr b="0" lang="ja-JP" sz="2400" spc="-1" strike="noStrike">
                 <a:latin typeface="Arial"/>
               </a:rPr>
               <a:t>レベル目のアウトライン</a:t>
             </a:r>
-            <a:endParaRPr b="0" lang="en-US" sz="1800" spc="-1" strike="noStrike">
+            <a:endParaRPr b="0" lang="en-US" sz="2400" spc="-1" strike="noStrike">
               <a:latin typeface="Arial"/>
             </a:endParaRPr>
           </a:p>
@@ -6355,18 +6358,18 @@
               <a:buChar char=""/>
             </a:pPr>
             <a:r>
-              <a:rPr b="0" lang="en-US" sz="1800" spc="-1" strike="noStrike">
+              <a:rPr b="0" lang="en-US" sz="2000" spc="-1" strike="noStrike">
                 <a:latin typeface="Arial"/>
               </a:rPr>
               <a:t>4</a:t>
             </a:r>
             <a:r>
-              <a:rPr b="0" lang="ja-JP" sz="1800" spc="-1" strike="noStrike">
+              <a:rPr b="0" lang="ja-JP" sz="2000" spc="-1" strike="noStrike">
                 <a:latin typeface="Arial"/>
               </a:rPr>
               <a:t>レベル目のアウトライン</a:t>
             </a:r>
-            <a:endParaRPr b="0" lang="en-US" sz="1800" spc="-1" strike="noStrike">
+            <a:endParaRPr b="0" lang="en-US" sz="2000" spc="-1" strike="noStrike">
               <a:latin typeface="Arial"/>
             </a:endParaRPr>
           </a:p>
@@ -6383,18 +6386,18 @@
               <a:buChar char=""/>
             </a:pPr>
             <a:r>
-              <a:rPr b="0" lang="en-US" sz="1800" spc="-1" strike="noStrike">
+              <a:rPr b="0" lang="en-US" sz="2000" spc="-1" strike="noStrike">
                 <a:latin typeface="Arial"/>
               </a:rPr>
               <a:t>5</a:t>
             </a:r>
             <a:r>
-              <a:rPr b="0" lang="ja-JP" sz="1800" spc="-1" strike="noStrike">
+              <a:rPr b="0" lang="ja-JP" sz="2000" spc="-1" strike="noStrike">
                 <a:latin typeface="Arial"/>
               </a:rPr>
               <a:t>レベル目のアウトライン</a:t>
             </a:r>
-            <a:endParaRPr b="0" lang="en-US" sz="1800" spc="-1" strike="noStrike">
+            <a:endParaRPr b="0" lang="en-US" sz="2000" spc="-1" strike="noStrike">
               <a:latin typeface="Arial"/>
             </a:endParaRPr>
           </a:p>
@@ -6411,18 +6414,18 @@
               <a:buChar char=""/>
             </a:pPr>
             <a:r>
-              <a:rPr b="0" lang="en-US" sz="1800" spc="-1" strike="noStrike">
+              <a:rPr b="0" lang="en-US" sz="2000" spc="-1" strike="noStrike">
                 <a:latin typeface="Arial"/>
               </a:rPr>
               <a:t>6</a:t>
             </a:r>
             <a:r>
-              <a:rPr b="0" lang="ja-JP" sz="1800" spc="-1" strike="noStrike">
+              <a:rPr b="0" lang="ja-JP" sz="2000" spc="-1" strike="noStrike">
                 <a:latin typeface="Arial"/>
               </a:rPr>
               <a:t>レベル目のアウトライン</a:t>
             </a:r>
-            <a:endParaRPr b="0" lang="en-US" sz="1800" spc="-1" strike="noStrike">
+            <a:endParaRPr b="0" lang="en-US" sz="2000" spc="-1" strike="noStrike">
               <a:latin typeface="Arial"/>
             </a:endParaRPr>
           </a:p>
@@ -6439,18 +6442,18 @@
               <a:buChar char=""/>
             </a:pPr>
             <a:r>
-              <a:rPr b="0" lang="en-US" sz="1800" spc="-1" strike="noStrike">
+              <a:rPr b="0" lang="en-US" sz="2000" spc="-1" strike="noStrike">
                 <a:latin typeface="Arial"/>
               </a:rPr>
               <a:t>7</a:t>
             </a:r>
             <a:r>
-              <a:rPr b="0" lang="ja-JP" sz="1800" spc="-1" strike="noStrike">
+              <a:rPr b="0" lang="ja-JP" sz="2000" spc="-1" strike="noStrike">
                 <a:latin typeface="Arial"/>
               </a:rPr>
               <a:t>レベル目のアウトライン</a:t>
             </a:r>
-            <a:endParaRPr b="0" lang="en-US" sz="1800" spc="-1" strike="noStrike">
+            <a:endParaRPr b="0" lang="en-US" sz="2000" spc="-1" strike="noStrike">
               <a:latin typeface="Arial"/>
             </a:endParaRPr>
           </a:p>
@@ -6502,7 +6505,7 @@
         <p:spPr>
           <a:xfrm>
             <a:off x="0" y="5400000"/>
-            <a:ext cx="10079280" cy="269280"/>
+            <a:ext cx="10078560" cy="268560"/>
           </a:xfrm>
           <a:prstGeom prst="rect">
             <a:avLst/>
@@ -6530,7 +6533,7 @@
         <p:spPr>
           <a:xfrm>
             <a:off x="0" y="0"/>
-            <a:ext cx="10079280" cy="1214280"/>
+            <a:ext cx="10078560" cy="1213560"/>
           </a:xfrm>
           <a:prstGeom prst="rect">
             <a:avLst/>
@@ -6558,7 +6561,7 @@
         <p:spPr>
           <a:xfrm>
             <a:off x="9315000" y="5175000"/>
-            <a:ext cx="449280" cy="449280"/>
+            <a:ext cx="448560" cy="448560"/>
           </a:xfrm>
           <a:prstGeom prst="ellipse">
             <a:avLst/>
@@ -6589,7 +6592,7 @@
         <p:spPr>
           <a:xfrm>
             <a:off x="9180000" y="5130000"/>
-            <a:ext cx="719280" cy="539280"/>
+            <a:ext cx="718560" cy="538560"/>
           </a:xfrm>
           <a:prstGeom prst="rect">
             <a:avLst/>
@@ -6616,7 +6619,7 @@
               </a:lnSpc>
               <a:buNone/>
             </a:pPr>
-            <a:fld id="{E6F6FAA8-4F79-4F4D-9896-B3EF410810E5}" type="slidenum">
+            <a:fld id="{6F87D9FE-03DC-4316-9E90-C2E6292E4600}" type="slidenum">
               <a:rPr b="1" lang="en-US" sz="1800" spc="-1" strike="noStrike">
                 <a:solidFill>
                   <a:srgbClr val="ffffff"/>
@@ -6624,7 +6627,7 @@
                 <a:latin typeface="Source Sans Pro Black"/>
                 <a:ea typeface="DejaVu Sans"/>
               </a:rPr>
-              <a:t>&lt;番号&gt;</a:t>
+              <a:t>9</a:t>
             </a:fld>
             <a:endParaRPr b="0" lang="en-US" sz="1800" spc="-1" strike="noStrike">
               <a:latin typeface="Arial"/>
@@ -6940,7 +6943,7 @@
         <p:spPr>
           <a:xfrm>
             <a:off x="0" y="5400000"/>
-            <a:ext cx="10079280" cy="269280"/>
+            <a:ext cx="10078560" cy="268560"/>
           </a:xfrm>
           <a:prstGeom prst="rect">
             <a:avLst/>
@@ -6968,7 +6971,7 @@
         <p:spPr>
           <a:xfrm>
             <a:off x="0" y="0"/>
-            <a:ext cx="10079280" cy="1214280"/>
+            <a:ext cx="10078560" cy="1213560"/>
           </a:xfrm>
           <a:prstGeom prst="rect">
             <a:avLst/>
@@ -6996,7 +6999,7 @@
         <p:spPr>
           <a:xfrm>
             <a:off x="9315000" y="5175000"/>
-            <a:ext cx="449280" cy="449280"/>
+            <a:ext cx="448560" cy="448560"/>
           </a:xfrm>
           <a:prstGeom prst="ellipse">
             <a:avLst/>
@@ -7027,7 +7030,7 @@
         <p:spPr>
           <a:xfrm>
             <a:off x="9180000" y="5130000"/>
-            <a:ext cx="719280" cy="539280"/>
+            <a:ext cx="718560" cy="538560"/>
           </a:xfrm>
           <a:prstGeom prst="rect">
             <a:avLst/>
@@ -7054,7 +7057,7 @@
               </a:lnSpc>
               <a:buNone/>
             </a:pPr>
-            <a:fld id="{D9CF3420-1297-44F6-84C2-45B14942A91E}" type="slidenum">
+            <a:fld id="{8844EF49-43B4-479B-86BE-DB06D1A513C5}" type="slidenum">
               <a:rPr b="1" lang="en-US" sz="1800" spc="-1" strike="noStrike">
                 <a:solidFill>
                   <a:srgbClr val="ffffff"/>
@@ -7062,7 +7065,7 @@
                 <a:latin typeface="Source Sans Pro Black"/>
                 <a:ea typeface="DejaVu Sans"/>
               </a:rPr>
-              <a:t>&lt;番号&gt;</a:t>
+              <a:t>9</a:t>
             </a:fld>
             <a:endParaRPr b="0" lang="en-US" sz="1800" spc="-1" strike="noStrike">
               <a:latin typeface="Arial"/>
@@ -7082,29 +7085,32 @@
         </p:nvSpPr>
         <p:spPr>
           <a:xfrm>
-            <a:off x="360000" y="2835000"/>
-            <a:ext cx="9359280" cy="718200"/>
-          </a:xfrm>
-          <a:prstGeom prst="rect">
-            <a:avLst/>
-          </a:prstGeom>
-          <a:noFill/>
-          <a:ln w="0">
-            <a:noFill/>
-          </a:ln>
-        </p:spPr>
-        <p:txBody>
-          <a:bodyPr lIns="0" rIns="0" tIns="0" bIns="0" anchor="ctr" anchorCtr="1">
+            <a:off x="504000" y="226080"/>
+            <a:ext cx="9072000" cy="946440"/>
+          </a:xfrm>
+          <a:prstGeom prst="rect">
+            <a:avLst/>
+          </a:prstGeom>
+          <a:noFill/>
+          <a:ln w="0">
+            <a:noFill/>
+          </a:ln>
+        </p:spPr>
+        <p:txBody>
+          <a:bodyPr lIns="0" rIns="0" tIns="0" bIns="0" anchor="ctr">
             <a:noAutofit/>
           </a:bodyPr>
           <a:p>
-            <a:r>
-              <a:rPr b="0" lang="ja-JP" sz="1800" spc="-1" strike="noStrike">
+            <a:pPr algn="ctr">
+              <a:buNone/>
+            </a:pPr>
+            <a:r>
+              <a:rPr b="0" lang="ja-JP" sz="4400" spc="-1" strike="noStrike">
                 <a:latin typeface="Arial"/>
               </a:rPr>
               <a:t>クリックしてタイトルテキストを編集</a:t>
             </a:r>
-            <a:endParaRPr b="0" lang="en-US" sz="1800" spc="-1" strike="noStrike">
+            <a:endParaRPr b="0" lang="en-US" sz="4400" spc="-1" strike="noStrike">
               <a:latin typeface="Arial"/>
             </a:endParaRPr>
           </a:p>
@@ -7123,7 +7129,7 @@
         <p:spPr>
           <a:xfrm>
             <a:off x="504000" y="1326600"/>
-            <a:ext cx="9071640" cy="3288240"/>
+            <a:ext cx="9072000" cy="3288600"/>
           </a:xfrm>
           <a:prstGeom prst="rect">
             <a:avLst/>
@@ -7150,12 +7156,12 @@
               <a:buChar char=""/>
             </a:pPr>
             <a:r>
-              <a:rPr b="0" lang="ja-JP" sz="1800" spc="-1" strike="noStrike">
+              <a:rPr b="0" lang="ja-JP" sz="3200" spc="-1" strike="noStrike">
                 <a:latin typeface="Arial"/>
               </a:rPr>
               <a:t>クリックしてアウトラインのテキストを編集</a:t>
             </a:r>
-            <a:endParaRPr b="0" lang="en-US" sz="1800" spc="-1" strike="noStrike">
+            <a:endParaRPr b="0" lang="en-US" sz="3200" spc="-1" strike="noStrike">
               <a:latin typeface="Arial"/>
             </a:endParaRPr>
           </a:p>
@@ -7172,18 +7178,18 @@
               <a:buChar char=""/>
             </a:pPr>
             <a:r>
-              <a:rPr b="0" lang="en-US" sz="1800" spc="-1" strike="noStrike">
+              <a:rPr b="0" lang="en-US" sz="2800" spc="-1" strike="noStrike">
                 <a:latin typeface="Arial"/>
               </a:rPr>
               <a:t>2</a:t>
             </a:r>
             <a:r>
-              <a:rPr b="0" lang="ja-JP" sz="1800" spc="-1" strike="noStrike">
+              <a:rPr b="0" lang="ja-JP" sz="2800" spc="-1" strike="noStrike">
                 <a:latin typeface="Arial"/>
               </a:rPr>
               <a:t>レベル目のアウトライン</a:t>
             </a:r>
-            <a:endParaRPr b="0" lang="en-US" sz="1800" spc="-1" strike="noStrike">
+            <a:endParaRPr b="0" lang="en-US" sz="2800" spc="-1" strike="noStrike">
               <a:latin typeface="Arial"/>
             </a:endParaRPr>
           </a:p>
@@ -7200,18 +7206,18 @@
               <a:buChar char=""/>
             </a:pPr>
             <a:r>
-              <a:rPr b="0" lang="en-US" sz="1800" spc="-1" strike="noStrike">
+              <a:rPr b="0" lang="en-US" sz="2400" spc="-1" strike="noStrike">
                 <a:latin typeface="Arial"/>
               </a:rPr>
               <a:t>3</a:t>
             </a:r>
             <a:r>
-              <a:rPr b="0" lang="ja-JP" sz="1800" spc="-1" strike="noStrike">
+              <a:rPr b="0" lang="ja-JP" sz="2400" spc="-1" strike="noStrike">
                 <a:latin typeface="Arial"/>
               </a:rPr>
               <a:t>レベル目のアウトライン</a:t>
             </a:r>
-            <a:endParaRPr b="0" lang="en-US" sz="1800" spc="-1" strike="noStrike">
+            <a:endParaRPr b="0" lang="en-US" sz="2400" spc="-1" strike="noStrike">
               <a:latin typeface="Arial"/>
             </a:endParaRPr>
           </a:p>
@@ -7228,18 +7234,18 @@
               <a:buChar char=""/>
             </a:pPr>
             <a:r>
-              <a:rPr b="0" lang="en-US" sz="1800" spc="-1" strike="noStrike">
+              <a:rPr b="0" lang="en-US" sz="2000" spc="-1" strike="noStrike">
                 <a:latin typeface="Arial"/>
               </a:rPr>
               <a:t>4</a:t>
             </a:r>
             <a:r>
-              <a:rPr b="0" lang="ja-JP" sz="1800" spc="-1" strike="noStrike">
+              <a:rPr b="0" lang="ja-JP" sz="2000" spc="-1" strike="noStrike">
                 <a:latin typeface="Arial"/>
               </a:rPr>
               <a:t>レベル目のアウトライン</a:t>
             </a:r>
-            <a:endParaRPr b="0" lang="en-US" sz="1800" spc="-1" strike="noStrike">
+            <a:endParaRPr b="0" lang="en-US" sz="2000" spc="-1" strike="noStrike">
               <a:latin typeface="Arial"/>
             </a:endParaRPr>
           </a:p>
@@ -7256,18 +7262,18 @@
               <a:buChar char=""/>
             </a:pPr>
             <a:r>
-              <a:rPr b="0" lang="en-US" sz="1800" spc="-1" strike="noStrike">
+              <a:rPr b="0" lang="en-US" sz="2000" spc="-1" strike="noStrike">
                 <a:latin typeface="Arial"/>
               </a:rPr>
               <a:t>5</a:t>
             </a:r>
             <a:r>
-              <a:rPr b="0" lang="ja-JP" sz="1800" spc="-1" strike="noStrike">
+              <a:rPr b="0" lang="ja-JP" sz="2000" spc="-1" strike="noStrike">
                 <a:latin typeface="Arial"/>
               </a:rPr>
               <a:t>レベル目のアウトライン</a:t>
             </a:r>
-            <a:endParaRPr b="0" lang="en-US" sz="1800" spc="-1" strike="noStrike">
+            <a:endParaRPr b="0" lang="en-US" sz="2000" spc="-1" strike="noStrike">
               <a:latin typeface="Arial"/>
             </a:endParaRPr>
           </a:p>
@@ -7284,18 +7290,18 @@
               <a:buChar char=""/>
             </a:pPr>
             <a:r>
-              <a:rPr b="0" lang="en-US" sz="1800" spc="-1" strike="noStrike">
+              <a:rPr b="0" lang="en-US" sz="2000" spc="-1" strike="noStrike">
                 <a:latin typeface="Arial"/>
               </a:rPr>
               <a:t>6</a:t>
             </a:r>
             <a:r>
-              <a:rPr b="0" lang="ja-JP" sz="1800" spc="-1" strike="noStrike">
+              <a:rPr b="0" lang="ja-JP" sz="2000" spc="-1" strike="noStrike">
                 <a:latin typeface="Arial"/>
               </a:rPr>
               <a:t>レベル目のアウトライン</a:t>
             </a:r>
-            <a:endParaRPr b="0" lang="en-US" sz="1800" spc="-1" strike="noStrike">
+            <a:endParaRPr b="0" lang="en-US" sz="2000" spc="-1" strike="noStrike">
               <a:latin typeface="Arial"/>
             </a:endParaRPr>
           </a:p>
@@ -7312,18 +7318,18 @@
               <a:buChar char=""/>
             </a:pPr>
             <a:r>
-              <a:rPr b="0" lang="en-US" sz="1800" spc="-1" strike="noStrike">
+              <a:rPr b="0" lang="en-US" sz="2000" spc="-1" strike="noStrike">
                 <a:latin typeface="Arial"/>
               </a:rPr>
               <a:t>7</a:t>
             </a:r>
             <a:r>
-              <a:rPr b="0" lang="ja-JP" sz="1800" spc="-1" strike="noStrike">
+              <a:rPr b="0" lang="ja-JP" sz="2000" spc="-1" strike="noStrike">
                 <a:latin typeface="Arial"/>
               </a:rPr>
               <a:t>レベル目のアウトライン</a:t>
             </a:r>
-            <a:endParaRPr b="0" lang="en-US" sz="1800" spc="-1" strike="noStrike">
+            <a:endParaRPr b="0" lang="en-US" sz="2000" spc="-1" strike="noStrike">
               <a:latin typeface="Arial"/>
             </a:endParaRPr>
           </a:p>
@@ -7375,7 +7381,7 @@
         <p:spPr>
           <a:xfrm>
             <a:off x="0" y="0"/>
-            <a:ext cx="10079280" cy="5669280"/>
+            <a:ext cx="10078560" cy="5668560"/>
           </a:xfrm>
           <a:prstGeom prst="rect">
             <a:avLst/>
@@ -7403,7 +7409,7 @@
         <p:spPr>
           <a:xfrm>
             <a:off x="0" y="0"/>
-            <a:ext cx="10079280" cy="3779280"/>
+            <a:ext cx="10078560" cy="3778560"/>
           </a:xfrm>
           <a:prstGeom prst="rect">
             <a:avLst/>
@@ -7438,7 +7444,7 @@
         <p:spPr>
           <a:xfrm>
             <a:off x="360000" y="2835000"/>
-            <a:ext cx="9359280" cy="718200"/>
+            <a:ext cx="9358560" cy="717480"/>
           </a:xfrm>
           <a:prstGeom prst="rect">
             <a:avLst/>
@@ -7741,7 +7747,7 @@
         <p:spPr>
           <a:xfrm>
             <a:off x="360000" y="900000"/>
-            <a:ext cx="9359280" cy="2653200"/>
+            <a:ext cx="9358560" cy="2652480"/>
           </a:xfrm>
           <a:prstGeom prst="rect">
             <a:avLst/>
@@ -7790,7 +7796,7 @@
         <p:spPr>
           <a:xfrm>
             <a:off x="360000" y="3915000"/>
-            <a:ext cx="9359280" cy="1484280"/>
+            <a:ext cx="9358560" cy="1483560"/>
           </a:xfrm>
           <a:prstGeom prst="rect">
             <a:avLst/>
@@ -7884,7 +7890,7 @@
         <p:spPr>
           <a:xfrm>
             <a:off x="360000" y="225720"/>
-            <a:ext cx="9359280" cy="718200"/>
+            <a:ext cx="9358560" cy="717480"/>
           </a:xfrm>
           <a:prstGeom prst="rect">
             <a:avLst/>
@@ -7950,7 +7956,7 @@
         <p:spPr>
           <a:xfrm>
             <a:off x="360360" y="1440000"/>
-            <a:ext cx="9359280" cy="3779280"/>
+            <a:ext cx="9358560" cy="3778560"/>
           </a:xfrm>
           <a:prstGeom prst="rect">
             <a:avLst/>
@@ -7972,12 +7978,12 @@
               <a:buNone/>
             </a:pPr>
             <a:r>
-              <a:rPr b="0" lang="ja-JP" sz="1800" spc="-1" strike="noStrike">
+              <a:rPr b="0" lang="ja-JP" sz="3200" spc="-1" strike="noStrike">
                 <a:latin typeface="Arial"/>
               </a:rPr>
-              <a:t>１．学んだ点・・・チームワークの大切さ</a:t>
-            </a:r>
-            <a:endParaRPr b="0" lang="en-US" sz="1800" spc="-1" strike="noStrike">
+              <a:t>１．学んだ点・・・チームワークの大切さ。</a:t>
+            </a:r>
+            <a:endParaRPr b="0" lang="en-US" sz="3200" spc="-1" strike="noStrike">
               <a:latin typeface="Arial"/>
             </a:endParaRPr>
           </a:p>
@@ -7988,7 +7994,7 @@
               </a:lnSpc>
               <a:buNone/>
             </a:pPr>
-            <a:endParaRPr b="0" lang="en-US" sz="1800" spc="-1" strike="noStrike">
+            <a:endParaRPr b="0" lang="en-US" sz="3200" spc="-1" strike="noStrike">
               <a:latin typeface="Arial"/>
             </a:endParaRPr>
           </a:p>
@@ -8000,12 +8006,12 @@
               <a:buNone/>
             </a:pPr>
             <a:r>
-              <a:rPr b="0" lang="ja-JP" sz="1800" spc="-1" strike="noStrike">
+              <a:rPr b="0" lang="ja-JP" sz="3200" spc="-1" strike="noStrike">
                 <a:latin typeface="Arial"/>
               </a:rPr>
-              <a:t>２．よくできた点・・・それぞれ、最低限の機能が　　　　　　　　　　　実装できたこと。</a:t>
-            </a:r>
-            <a:endParaRPr b="0" lang="en-US" sz="1800" spc="-1" strike="noStrike">
+              <a:t>２．よくできた点・・・それぞれ、最低限の機能                                           が実装できたこと。</a:t>
+            </a:r>
+            <a:endParaRPr b="0" lang="en-US" sz="3200" spc="-1" strike="noStrike">
               <a:latin typeface="Arial"/>
             </a:endParaRPr>
           </a:p>
@@ -8016,7 +8022,7 @@
               </a:lnSpc>
               <a:buNone/>
             </a:pPr>
-            <a:endParaRPr b="0" lang="en-US" sz="1800" spc="-1" strike="noStrike">
+            <a:endParaRPr b="0" lang="en-US" sz="3200" spc="-1" strike="noStrike">
               <a:latin typeface="Arial"/>
             </a:endParaRPr>
           </a:p>
@@ -8028,12 +8034,12 @@
               <a:buNone/>
             </a:pPr>
             <a:r>
-              <a:rPr b="0" lang="ja-JP" sz="1800" spc="-1" strike="noStrike">
+              <a:rPr b="0" lang="ja-JP" sz="3200" spc="-1" strike="noStrike">
                 <a:latin typeface="Arial"/>
               </a:rPr>
-              <a:t>３．成長した点・・・</a:t>
-            </a:r>
-            <a:endParaRPr b="0" lang="en-US" sz="1800" spc="-1" strike="noStrike">
+              <a:t>３．成長した点・・・「心技体」が身についた！</a:t>
+            </a:r>
+            <a:endParaRPr b="0" lang="en-US" sz="3200" spc="-1" strike="noStrike">
               <a:latin typeface="Arial"/>
             </a:endParaRPr>
           </a:p>
@@ -8082,7 +8088,7 @@
         <p:spPr>
           <a:xfrm>
             <a:off x="360000" y="2116080"/>
-            <a:ext cx="9359280" cy="718200"/>
+            <a:ext cx="9358560" cy="717480"/>
           </a:xfrm>
           <a:prstGeom prst="rect">
             <a:avLst/>
@@ -8176,7 +8182,7 @@
         <p:spPr>
           <a:xfrm>
             <a:off x="360000" y="225720"/>
-            <a:ext cx="9359280" cy="719280"/>
+            <a:ext cx="9358560" cy="718560"/>
           </a:xfrm>
           <a:prstGeom prst="rect">
             <a:avLst/>
@@ -8225,7 +8231,7 @@
         <p:spPr>
           <a:xfrm>
             <a:off x="360000" y="1485000"/>
-            <a:ext cx="9359280" cy="3779280"/>
+            <a:ext cx="9358560" cy="3778560"/>
           </a:xfrm>
           <a:prstGeom prst="rect">
             <a:avLst/>
@@ -8595,7 +8601,7 @@
         <p:spPr>
           <a:xfrm>
             <a:off x="360000" y="225720"/>
-            <a:ext cx="9359280" cy="718200"/>
+            <a:ext cx="9358560" cy="717480"/>
           </a:xfrm>
           <a:prstGeom prst="rect">
             <a:avLst/>
@@ -8661,7 +8667,7 @@
         <p:spPr>
           <a:xfrm>
             <a:off x="360000" y="1260000"/>
-            <a:ext cx="9359280" cy="4140000"/>
+            <a:ext cx="9358560" cy="4139280"/>
           </a:xfrm>
           <a:prstGeom prst="rect">
             <a:avLst/>
@@ -8870,7 +8876,7 @@
         <p:spPr>
           <a:xfrm>
             <a:off x="360000" y="225720"/>
-            <a:ext cx="9359280" cy="718200"/>
+            <a:ext cx="9358560" cy="717480"/>
           </a:xfrm>
           <a:prstGeom prst="rect">
             <a:avLst/>
@@ -8936,7 +8942,7 @@
         <p:spPr>
           <a:xfrm>
             <a:off x="360000" y="1260000"/>
-            <a:ext cx="9359280" cy="3779280"/>
+            <a:ext cx="9358560" cy="3778560"/>
           </a:xfrm>
           <a:prstGeom prst="rect">
             <a:avLst/>
@@ -9154,7 +9160,7 @@
         <p:spPr>
           <a:xfrm>
             <a:off x="360000" y="225720"/>
-            <a:ext cx="9359280" cy="718200"/>
+            <a:ext cx="9358560" cy="717480"/>
           </a:xfrm>
           <a:prstGeom prst="rect">
             <a:avLst/>
@@ -9220,7 +9226,7 @@
         <p:spPr>
           <a:xfrm>
             <a:off x="360000" y="1485000"/>
-            <a:ext cx="9359280" cy="3779280"/>
+            <a:ext cx="9358560" cy="3778560"/>
           </a:xfrm>
           <a:prstGeom prst="rect">
             <a:avLst/>
@@ -9390,7 +9396,7 @@
         <p:spPr>
           <a:xfrm>
             <a:off x="360000" y="225720"/>
-            <a:ext cx="9359280" cy="718200"/>
+            <a:ext cx="9358560" cy="717480"/>
           </a:xfrm>
           <a:prstGeom prst="rect">
             <a:avLst/>
@@ -9456,7 +9462,7 @@
         <p:spPr>
           <a:xfrm>
             <a:off x="360000" y="1485000"/>
-            <a:ext cx="9359280" cy="3779280"/>
+            <a:ext cx="9358560" cy="3778560"/>
           </a:xfrm>
           <a:prstGeom prst="rect">
             <a:avLst/>
@@ -9538,7 +9544,7 @@
         <p:spPr>
           <a:xfrm>
             <a:off x="360000" y="225720"/>
-            <a:ext cx="9359280" cy="718200"/>
+            <a:ext cx="9358560" cy="717480"/>
           </a:xfrm>
           <a:prstGeom prst="rect">
             <a:avLst/>
@@ -9604,7 +9610,7 @@
         <p:spPr>
           <a:xfrm>
             <a:off x="360000" y="1485000"/>
-            <a:ext cx="9359280" cy="3779280"/>
+            <a:ext cx="9358560" cy="3778560"/>
           </a:xfrm>
           <a:prstGeom prst="rect">
             <a:avLst/>
@@ -9730,7 +9736,7 @@
         <p:spPr>
           <a:xfrm>
             <a:off x="3060000" y="2160000"/>
-            <a:ext cx="2743560" cy="3330720"/>
+            <a:ext cx="2742840" cy="3330000"/>
           </a:xfrm>
           <a:prstGeom prst="rect">
             <a:avLst/>
@@ -9798,7 +9804,7 @@
         <p:spPr>
           <a:xfrm>
             <a:off x="360000" y="225720"/>
-            <a:ext cx="9359280" cy="718200"/>
+            <a:ext cx="9358560" cy="717480"/>
           </a:xfrm>
           <a:prstGeom prst="rect">
             <a:avLst/>
@@ -9864,7 +9870,7 @@
         <p:spPr>
           <a:xfrm>
             <a:off x="360000" y="1485000"/>
-            <a:ext cx="9359280" cy="3779280"/>
+            <a:ext cx="9358560" cy="3778560"/>
           </a:xfrm>
           <a:prstGeom prst="rect">
             <a:avLst/>
@@ -9879,9 +9885,72 @@
             <a:noAutofit/>
           </a:bodyPr>
           <a:p>
-            <a:pPr algn="ctr">
-              <a:buNone/>
-            </a:pPr>
+            <a:r>
+              <a:rPr b="0" lang="ja-JP" sz="3200" spc="-1" strike="noStrike">
+                <a:latin typeface="Arial"/>
+              </a:rPr>
+              <a:t>・コードを書いて動作確認をするもエラーが</a:t>
+            </a:r>
+            <a:endParaRPr b="0" lang="en-US" sz="3200" spc="-1" strike="noStrike">
+              <a:latin typeface="Arial"/>
+            </a:endParaRPr>
+          </a:p>
+          <a:p>
+            <a:r>
+              <a:rPr b="0" lang="ja-JP" sz="3200" spc="-1" strike="noStrike">
+                <a:latin typeface="Arial"/>
+              </a:rPr>
+              <a:t>　起きてしまったこと。</a:t>
+            </a:r>
+            <a:endParaRPr b="0" lang="en-US" sz="3200" spc="-1" strike="noStrike">
+              <a:latin typeface="Arial"/>
+            </a:endParaRPr>
+          </a:p>
+          <a:p>
+            <a:endParaRPr b="0" lang="en-US" sz="3200" spc="-1" strike="noStrike">
+              <a:latin typeface="Arial"/>
+            </a:endParaRPr>
+          </a:p>
+          <a:p>
+            <a:r>
+              <a:rPr b="0" lang="ja-JP" sz="3200" spc="-1" strike="noStrike">
+                <a:latin typeface="Arial"/>
+              </a:rPr>
+              <a:t>・時間配分がうまくいかず、機能の完成が直前と</a:t>
+            </a:r>
+            <a:endParaRPr b="0" lang="en-US" sz="3200" spc="-1" strike="noStrike">
+              <a:latin typeface="Arial"/>
+            </a:endParaRPr>
+          </a:p>
+          <a:p>
+            <a:r>
+              <a:rPr b="0" lang="ja-JP" sz="3200" spc="-1" strike="noStrike">
+                <a:latin typeface="Arial"/>
+              </a:rPr>
+              <a:t>　なってしまったこと。</a:t>
+            </a:r>
+            <a:endParaRPr b="0" lang="en-US" sz="3200" spc="-1" strike="noStrike">
+              <a:latin typeface="Arial"/>
+            </a:endParaRPr>
+          </a:p>
+          <a:p>
+            <a:endParaRPr b="0" lang="en-US" sz="3200" spc="-1" strike="noStrike">
+              <a:latin typeface="Arial"/>
+            </a:endParaRPr>
+          </a:p>
+          <a:p>
+            <a:r>
+              <a:rPr b="0" lang="en-US" sz="3200" spc="-1" strike="noStrike">
+                <a:latin typeface="Arial"/>
+              </a:rPr>
+              <a:t>→</a:t>
+            </a:r>
+            <a:r>
+              <a:rPr b="0" lang="ja-JP" sz="3200" spc="-1" strike="noStrike">
+                <a:latin typeface="Arial"/>
+              </a:rPr>
+              <a:t>仲間と協力して乗り越えた！！！</a:t>
+            </a:r>
             <a:endParaRPr b="0" lang="en-US" sz="3200" spc="-1" strike="noStrike">
               <a:latin typeface="Arial"/>
             </a:endParaRPr>
@@ -9904,21 +9973,6 @@
 <file path=ppt/slides/slide9.xml><?xml version="1.0" encoding="utf-8"?>
 <p:sld xmlns:a="http://schemas.openxmlformats.org/drawingml/2006/main" xmlns:p="http://schemas.openxmlformats.org/presentationml/2006/main" xmlns:r="http://schemas.openxmlformats.org/officeDocument/2006/relationships" xmlns:p14="http://schemas.microsoft.com/office/powerpoint/2010/main" xmlns:p15="http://schemas.microsoft.com/office/powerpoint/2012/main" xmlns:mc="http://schemas.openxmlformats.org/markup-compatibility/2006">
   <p:cSld>
-    <p:bg>
-      <p:bgPr>
-        <a:gradFill rotWithShape="0">
-          <a:gsLst>
-            <a:gs pos="0">
-              <a:srgbClr val="ffde59"/>
-            </a:gs>
-            <a:gs pos="100000">
-              <a:srgbClr val="b4c7dc"/>
-            </a:gs>
-          </a:gsLst>
-          <a:lin ang="5400000"/>
-        </a:gradFill>
-      </p:bgPr>
-    </p:bg>
     <p:spTree>
       <p:nvGrpSpPr>
         <p:cNvPr id="1" name=""/>
@@ -9946,7 +10000,7 @@
         <p:spPr>
           <a:xfrm>
             <a:off x="360000" y="225720"/>
-            <a:ext cx="9359280" cy="718200"/>
+            <a:ext cx="9358560" cy="717480"/>
           </a:xfrm>
           <a:prstGeom prst="rect">
             <a:avLst/>
@@ -10012,7 +10066,7 @@
         <p:spPr>
           <a:xfrm>
             <a:off x="360000" y="1485000"/>
-            <a:ext cx="9359280" cy="3779280"/>
+            <a:ext cx="9358560" cy="3778560"/>
           </a:xfrm>
           <a:prstGeom prst="rect">
             <a:avLst/>
@@ -10027,9 +10081,50 @@
             <a:noAutofit/>
           </a:bodyPr>
           <a:p>
-            <a:pPr algn="ctr">
-              <a:buNone/>
-            </a:pPr>
+            <a:r>
+              <a:rPr b="0" lang="ja-JP" sz="3200" spc="-1" strike="noStrike">
+                <a:latin typeface="Arial"/>
+              </a:rPr>
+              <a:t>・チームで動く際に、役割分担をさらに明確化し</a:t>
+            </a:r>
+            <a:endParaRPr b="0" lang="en-US" sz="3200" spc="-1" strike="noStrike">
+              <a:latin typeface="Arial"/>
+            </a:endParaRPr>
+          </a:p>
+          <a:p>
+            <a:r>
+              <a:rPr b="0" lang="ja-JP" sz="3200" spc="-1" strike="noStrike">
+                <a:latin typeface="Arial"/>
+              </a:rPr>
+              <a:t>　自分たちで決めた開発期間を定めてから臨むこ　と。</a:t>
+            </a:r>
+            <a:endParaRPr b="0" lang="en-US" sz="3200" spc="-1" strike="noStrike">
+              <a:latin typeface="Arial"/>
+            </a:endParaRPr>
+          </a:p>
+          <a:p>
+            <a:endParaRPr b="0" lang="en-US" sz="3200" spc="-1" strike="noStrike">
+              <a:latin typeface="Arial"/>
+            </a:endParaRPr>
+          </a:p>
+          <a:p>
+            <a:r>
+              <a:rPr b="0" lang="ja-JP" sz="3200" spc="-1" strike="noStrike">
+                <a:latin typeface="Arial"/>
+              </a:rPr>
+              <a:t>・最後まで紆余曲折してしまい、予約システムの</a:t>
+            </a:r>
+            <a:endParaRPr b="0" lang="en-US" sz="3200" spc="-1" strike="noStrike">
+              <a:latin typeface="Arial"/>
+            </a:endParaRPr>
+          </a:p>
+          <a:p>
+            <a:r>
+              <a:rPr b="0" lang="ja-JP" sz="3200" spc="-1" strike="noStrike">
+                <a:latin typeface="Arial"/>
+              </a:rPr>
+              <a:t>　完成が発表直前となってしまい、準備の時間に　余裕が持てなかったこと。</a:t>
+            </a:r>
             <a:endParaRPr b="0" lang="en-US" sz="3200" spc="-1" strike="noStrike">
               <a:latin typeface="Arial"/>
             </a:endParaRPr>

--- a/発表用スライド.pptx
+++ b/発表用スライド.pptx
@@ -6619,7 +6619,7 @@
               </a:lnSpc>
               <a:buNone/>
             </a:pPr>
-            <a:fld id="{6F87D9FE-03DC-4316-9E90-C2E6292E4600}" type="slidenum">
+            <a:fld id="{B03DD4B6-FCB1-4E09-9654-606F947EB802}" type="slidenum">
               <a:rPr b="1" lang="en-US" sz="1800" spc="-1" strike="noStrike">
                 <a:solidFill>
                   <a:srgbClr val="ffffff"/>
@@ -6627,7 +6627,7 @@
                 <a:latin typeface="Source Sans Pro Black"/>
                 <a:ea typeface="DejaVu Sans"/>
               </a:rPr>
-              <a:t>9</a:t>
+              <a:t>&lt;番号&gt;</a:t>
             </a:fld>
             <a:endParaRPr b="0" lang="en-US" sz="1800" spc="-1" strike="noStrike">
               <a:latin typeface="Arial"/>
@@ -7057,7 +7057,7 @@
               </a:lnSpc>
               <a:buNone/>
             </a:pPr>
-            <a:fld id="{8844EF49-43B4-479B-86BE-DB06D1A513C5}" type="slidenum">
+            <a:fld id="{05626785-E0E2-4F58-8D61-299645EE21F5}" type="slidenum">
               <a:rPr b="1" lang="en-US" sz="1800" spc="-1" strike="noStrike">
                 <a:solidFill>
                   <a:srgbClr val="ffffff"/>
@@ -7065,7 +7065,7 @@
                 <a:latin typeface="Source Sans Pro Black"/>
                 <a:ea typeface="DejaVu Sans"/>
               </a:rPr>
-              <a:t>9</a:t>
+              <a:t>&lt;番号&gt;</a:t>
             </a:fld>
             <a:endParaRPr b="0" lang="en-US" sz="1800" spc="-1" strike="noStrike">
               <a:latin typeface="Arial"/>

--- a/発表用スライド.pptx
+++ b/発表用スライド.pptx
@@ -6619,7 +6619,7 @@
               </a:lnSpc>
               <a:buNone/>
             </a:pPr>
-            <a:fld id="{B03DD4B6-FCB1-4E09-9654-606F947EB802}" type="slidenum">
+            <a:fld id="{15008092-1BE4-4FF0-AE75-8B68143F3E64}" type="slidenum">
               <a:rPr b="1" lang="en-US" sz="1800" spc="-1" strike="noStrike">
                 <a:solidFill>
                   <a:srgbClr val="ffffff"/>
@@ -7057,7 +7057,7 @@
               </a:lnSpc>
               <a:buNone/>
             </a:pPr>
-            <a:fld id="{05626785-E0E2-4F58-8D61-299645EE21F5}" type="slidenum">
+            <a:fld id="{848F11A0-1933-412A-B580-88A79D1ED04E}" type="slidenum">
               <a:rPr b="1" lang="en-US" sz="1800" spc="-1" strike="noStrike">
                 <a:solidFill>
                   <a:srgbClr val="ffffff"/>

--- a/発表用スライド.pptx
+++ b/発表用スライド.pptx
@@ -6619,7 +6619,7 @@
               </a:lnSpc>
               <a:buNone/>
             </a:pPr>
-            <a:fld id="{15008092-1BE4-4FF0-AE75-8B68143F3E64}" type="slidenum">
+            <a:fld id="{52BF79B1-E5AA-4DD1-ACBA-FC60AA4E35D4}" type="slidenum">
               <a:rPr b="1" lang="en-US" sz="1800" spc="-1" strike="noStrike">
                 <a:solidFill>
                   <a:srgbClr val="ffffff"/>
@@ -7057,7 +7057,7 @@
               </a:lnSpc>
               <a:buNone/>
             </a:pPr>
-            <a:fld id="{848F11A0-1933-412A-B580-88A79D1ED04E}" type="slidenum">
+            <a:fld id="{FCFC3CE9-B831-417F-86F5-09F3A67E9A23}" type="slidenum">
               <a:rPr b="1" lang="en-US" sz="1800" spc="-1" strike="noStrike">
                 <a:solidFill>
                   <a:srgbClr val="ffffff"/>
